--- a/Reference materials/Advanced JAVA/2 Inter Process comm.pptx
+++ b/Reference materials/Advanced JAVA/2 Inter Process comm.pptx
@@ -214,7 +214,7 @@
           <a:p>
             <a:fld id="{CBDFB359-B0C7-4C2A-B5E6-DC0AAC7DC740}" type="datetimeFigureOut">
               <a:rPr lang="en-IN" smtClean="0"/>
-              <a:t>04-02-2019</a:t>
+              <a:t>22-04-2021</a:t>
             </a:fld>
             <a:endParaRPr lang="en-IN"/>
           </a:p>
@@ -278,35 +278,35 @@
           <a:p>
             <a:pPr lvl="0"/>
             <a:r>
-              <a:rPr lang="en-US" smtClean="0"/>
+              <a:rPr lang="en-US"/>
               <a:t>Click to edit Master text styles</a:t>
             </a:r>
           </a:p>
           <a:p>
             <a:pPr lvl="1"/>
             <a:r>
-              <a:rPr lang="en-US" smtClean="0"/>
+              <a:rPr lang="en-US"/>
               <a:t>Second level</a:t>
             </a:r>
           </a:p>
           <a:p>
             <a:pPr lvl="2"/>
             <a:r>
-              <a:rPr lang="en-US" smtClean="0"/>
+              <a:rPr lang="en-US"/>
               <a:t>Third level</a:t>
             </a:r>
           </a:p>
           <a:p>
             <a:pPr lvl="3"/>
             <a:r>
-              <a:rPr lang="en-US" smtClean="0"/>
+              <a:rPr lang="en-US"/>
               <a:t>Fourth level</a:t>
             </a:r>
           </a:p>
           <a:p>
             <a:pPr lvl="4"/>
             <a:r>
-              <a:rPr lang="en-US" smtClean="0"/>
+              <a:rPr lang="en-US"/>
               <a:t>Fifth level</a:t>
             </a:r>
             <a:endParaRPr lang="en-IN"/>
@@ -652,10 +652,9 @@
           </a:lstStyle>
           <a:p>
             <a:r>
-              <a:rPr kumimoji="0" lang="en-US" smtClean="0"/>
+              <a:rPr kumimoji="0" lang="en-US"/>
               <a:t>Click to edit Master subtitle style</a:t>
             </a:r>
-            <a:endParaRPr kumimoji="0" lang="en-US"/>
           </a:p>
         </p:txBody>
       </p:sp>
@@ -677,7 +676,7 @@
             <a:fld id="{1D8BD707-D9CF-40AE-B4C6-C98DA3205C09}" type="datetimeFigureOut">
               <a:rPr lang="en-US" smtClean="0"/>
               <a:pPr/>
-              <a:t>2/4/2019</a:t>
+              <a:t>4/22/2021</a:t>
             </a:fld>
             <a:endParaRPr lang="en-US"/>
           </a:p>
@@ -907,10 +906,9 @@
           </a:lstStyle>
           <a:p>
             <a:r>
-              <a:rPr kumimoji="0" lang="en-US" smtClean="0"/>
+              <a:rPr kumimoji="0" lang="en-US"/>
               <a:t>Click to edit Master title style</a:t>
             </a:r>
-            <a:endParaRPr kumimoji="0" lang="en-US"/>
           </a:p>
         </p:txBody>
       </p:sp>
@@ -955,10 +953,9 @@
           <a:lstStyle/>
           <a:p>
             <a:r>
-              <a:rPr kumimoji="0" lang="en-US" smtClean="0"/>
+              <a:rPr kumimoji="0" lang="en-US"/>
               <a:t>Click to edit Master title style</a:t>
             </a:r>
-            <a:endParaRPr kumimoji="0" lang="en-US"/>
           </a:p>
         </p:txBody>
       </p:sp>
@@ -979,35 +976,35 @@
           <a:p>
             <a:pPr lvl="0" eaLnBrk="1" latinLnBrk="0" hangingPunct="1"/>
             <a:r>
-              <a:rPr lang="en-US" smtClean="0"/>
+              <a:rPr lang="en-US"/>
               <a:t>Click to edit Master text styles</a:t>
             </a:r>
           </a:p>
           <a:p>
             <a:pPr lvl="1" eaLnBrk="1" latinLnBrk="0" hangingPunct="1"/>
             <a:r>
-              <a:rPr lang="en-US" smtClean="0"/>
+              <a:rPr lang="en-US"/>
               <a:t>Second level</a:t>
             </a:r>
           </a:p>
           <a:p>
             <a:pPr lvl="2" eaLnBrk="1" latinLnBrk="0" hangingPunct="1"/>
             <a:r>
-              <a:rPr lang="en-US" smtClean="0"/>
+              <a:rPr lang="en-US"/>
               <a:t>Third level</a:t>
             </a:r>
           </a:p>
           <a:p>
             <a:pPr lvl="3" eaLnBrk="1" latinLnBrk="0" hangingPunct="1"/>
             <a:r>
-              <a:rPr lang="en-US" smtClean="0"/>
+              <a:rPr lang="en-US"/>
               <a:t>Fourth level</a:t>
             </a:r>
           </a:p>
           <a:p>
             <a:pPr lvl="4" eaLnBrk="1" latinLnBrk="0" hangingPunct="1"/>
             <a:r>
-              <a:rPr lang="en-US" smtClean="0"/>
+              <a:rPr lang="en-US"/>
               <a:t>Fifth level</a:t>
             </a:r>
             <a:endParaRPr kumimoji="0" lang="en-US"/>
@@ -1032,7 +1029,7 @@
             <a:fld id="{1D8BD707-D9CF-40AE-B4C6-C98DA3205C09}" type="datetimeFigureOut">
               <a:rPr lang="en-US" smtClean="0"/>
               <a:pPr/>
-              <a:t>2/4/2019</a:t>
+              <a:t>4/22/2021</a:t>
             </a:fld>
             <a:endParaRPr lang="en-US"/>
           </a:p>
@@ -1127,10 +1124,9 @@
           <a:lstStyle/>
           <a:p>
             <a:r>
-              <a:rPr kumimoji="0" lang="en-US" smtClean="0"/>
+              <a:rPr kumimoji="0" lang="en-US"/>
               <a:t>Click to edit Master title style</a:t>
             </a:r>
-            <a:endParaRPr kumimoji="0" lang="en-US"/>
           </a:p>
         </p:txBody>
       </p:sp>
@@ -1156,35 +1152,35 @@
           <a:p>
             <a:pPr lvl="0" eaLnBrk="1" latinLnBrk="0" hangingPunct="1"/>
             <a:r>
-              <a:rPr lang="en-US" smtClean="0"/>
+              <a:rPr lang="en-US"/>
               <a:t>Click to edit Master text styles</a:t>
             </a:r>
           </a:p>
           <a:p>
             <a:pPr lvl="1" eaLnBrk="1" latinLnBrk="0" hangingPunct="1"/>
             <a:r>
-              <a:rPr lang="en-US" smtClean="0"/>
+              <a:rPr lang="en-US"/>
               <a:t>Second level</a:t>
             </a:r>
           </a:p>
           <a:p>
             <a:pPr lvl="2" eaLnBrk="1" latinLnBrk="0" hangingPunct="1"/>
             <a:r>
-              <a:rPr lang="en-US" smtClean="0"/>
+              <a:rPr lang="en-US"/>
               <a:t>Third level</a:t>
             </a:r>
           </a:p>
           <a:p>
             <a:pPr lvl="3" eaLnBrk="1" latinLnBrk="0" hangingPunct="1"/>
             <a:r>
-              <a:rPr lang="en-US" smtClean="0"/>
+              <a:rPr lang="en-US"/>
               <a:t>Fourth level</a:t>
             </a:r>
           </a:p>
           <a:p>
             <a:pPr lvl="4" eaLnBrk="1" latinLnBrk="0" hangingPunct="1"/>
             <a:r>
-              <a:rPr lang="en-US" smtClean="0"/>
+              <a:rPr lang="en-US"/>
               <a:t>Fifth level</a:t>
             </a:r>
             <a:endParaRPr kumimoji="0" lang="en-US"/>
@@ -1209,7 +1205,7 @@
             <a:fld id="{1D8BD707-D9CF-40AE-B4C6-C98DA3205C09}" type="datetimeFigureOut">
               <a:rPr lang="en-US" smtClean="0"/>
               <a:pPr/>
-              <a:t>2/4/2019</a:t>
+              <a:t>4/22/2021</a:t>
             </a:fld>
             <a:endParaRPr lang="en-US"/>
           </a:p>
@@ -1299,10 +1295,9 @@
           <a:lstStyle/>
           <a:p>
             <a:r>
-              <a:rPr kumimoji="0" lang="en-US" smtClean="0"/>
+              <a:rPr kumimoji="0" lang="en-US"/>
               <a:t>Click to edit Master title style</a:t>
             </a:r>
-            <a:endParaRPr kumimoji="0" lang="en-US"/>
           </a:p>
         </p:txBody>
       </p:sp>
@@ -1324,7 +1319,7 @@
             <a:fld id="{1D8BD707-D9CF-40AE-B4C6-C98DA3205C09}" type="datetimeFigureOut">
               <a:rPr lang="en-US" smtClean="0"/>
               <a:pPr/>
-              <a:t>2/4/2019</a:t>
+              <a:t>4/22/2021</a:t>
             </a:fld>
             <a:endParaRPr lang="en-US"/>
           </a:p>
@@ -1395,35 +1390,35 @@
           <a:p>
             <a:pPr lvl="0" eaLnBrk="1" latinLnBrk="0" hangingPunct="1"/>
             <a:r>
-              <a:rPr lang="en-US" smtClean="0"/>
+              <a:rPr lang="en-US"/>
               <a:t>Click to edit Master text styles</a:t>
             </a:r>
           </a:p>
           <a:p>
             <a:pPr lvl="1" eaLnBrk="1" latinLnBrk="0" hangingPunct="1"/>
             <a:r>
-              <a:rPr lang="en-US" smtClean="0"/>
+              <a:rPr lang="en-US"/>
               <a:t>Second level</a:t>
             </a:r>
           </a:p>
           <a:p>
             <a:pPr lvl="2" eaLnBrk="1" latinLnBrk="0" hangingPunct="1"/>
             <a:r>
-              <a:rPr lang="en-US" smtClean="0"/>
+              <a:rPr lang="en-US"/>
               <a:t>Third level</a:t>
             </a:r>
           </a:p>
           <a:p>
             <a:pPr lvl="3" eaLnBrk="1" latinLnBrk="0" hangingPunct="1"/>
             <a:r>
-              <a:rPr lang="en-US" smtClean="0"/>
+              <a:rPr lang="en-US"/>
               <a:t>Fourth level</a:t>
             </a:r>
           </a:p>
           <a:p>
             <a:pPr lvl="4" eaLnBrk="1" latinLnBrk="0" hangingPunct="1"/>
             <a:r>
-              <a:rPr lang="en-US" smtClean="0"/>
+              <a:rPr lang="en-US"/>
               <a:t>Fifth level</a:t>
             </a:r>
             <a:endParaRPr kumimoji="0" lang="en-US"/>
@@ -1580,10 +1575,9 @@
           </a:lstStyle>
           <a:p>
             <a:r>
-              <a:rPr kumimoji="0" lang="en-US" smtClean="0"/>
+              <a:rPr kumimoji="0" lang="en-US"/>
               <a:t>Click to edit Master title style</a:t>
             </a:r>
-            <a:endParaRPr kumimoji="0" lang="en-US"/>
           </a:p>
         </p:txBody>
       </p:sp>
@@ -1660,7 +1654,7 @@
           <a:p>
             <a:pPr lvl="0" eaLnBrk="1" latinLnBrk="0" hangingPunct="1"/>
             <a:r>
-              <a:rPr kumimoji="0" lang="en-US" smtClean="0"/>
+              <a:rPr kumimoji="0" lang="en-US"/>
               <a:t>Click to edit Master text styles</a:t>
             </a:r>
           </a:p>
@@ -1684,7 +1678,7 @@
             <a:fld id="{1D8BD707-D9CF-40AE-B4C6-C98DA3205C09}" type="datetimeFigureOut">
               <a:rPr lang="en-US" smtClean="0"/>
               <a:pPr/>
-              <a:t>2/4/2019</a:t>
+              <a:t>4/22/2021</a:t>
             </a:fld>
             <a:endParaRPr lang="en-US"/>
           </a:p>
@@ -1926,10 +1920,9 @@
           <a:lstStyle/>
           <a:p>
             <a:r>
-              <a:rPr kumimoji="0" lang="en-US" smtClean="0"/>
+              <a:rPr kumimoji="0" lang="en-US"/>
               <a:t>Click to edit Master title style</a:t>
             </a:r>
-            <a:endParaRPr kumimoji="0" lang="en-US"/>
           </a:p>
         </p:txBody>
       </p:sp>
@@ -1951,7 +1944,7 @@
             <a:fld id="{1D8BD707-D9CF-40AE-B4C6-C98DA3205C09}" type="datetimeFigureOut">
               <a:rPr lang="en-US" smtClean="0"/>
               <a:pPr/>
-              <a:t>2/4/2019</a:t>
+              <a:t>4/22/2021</a:t>
             </a:fld>
             <a:endParaRPr lang="en-US"/>
           </a:p>
@@ -2022,35 +2015,35 @@
           <a:p>
             <a:pPr lvl="0" eaLnBrk="1" latinLnBrk="0" hangingPunct="1"/>
             <a:r>
-              <a:rPr lang="en-US" smtClean="0"/>
+              <a:rPr lang="en-US"/>
               <a:t>Click to edit Master text styles</a:t>
             </a:r>
           </a:p>
           <a:p>
             <a:pPr lvl="1" eaLnBrk="1" latinLnBrk="0" hangingPunct="1"/>
             <a:r>
-              <a:rPr lang="en-US" smtClean="0"/>
+              <a:rPr lang="en-US"/>
               <a:t>Second level</a:t>
             </a:r>
           </a:p>
           <a:p>
             <a:pPr lvl="2" eaLnBrk="1" latinLnBrk="0" hangingPunct="1"/>
             <a:r>
-              <a:rPr lang="en-US" smtClean="0"/>
+              <a:rPr lang="en-US"/>
               <a:t>Third level</a:t>
             </a:r>
           </a:p>
           <a:p>
             <a:pPr lvl="3" eaLnBrk="1" latinLnBrk="0" hangingPunct="1"/>
             <a:r>
-              <a:rPr lang="en-US" smtClean="0"/>
+              <a:rPr lang="en-US"/>
               <a:t>Fourth level</a:t>
             </a:r>
           </a:p>
           <a:p>
             <a:pPr lvl="4" eaLnBrk="1" latinLnBrk="0" hangingPunct="1"/>
             <a:r>
-              <a:rPr lang="en-US" smtClean="0"/>
+              <a:rPr lang="en-US"/>
               <a:t>Fifth level</a:t>
             </a:r>
             <a:endParaRPr kumimoji="0" lang="en-US"/>
@@ -2079,35 +2072,35 @@
           <a:p>
             <a:pPr lvl="0" eaLnBrk="1" latinLnBrk="0" hangingPunct="1"/>
             <a:r>
-              <a:rPr lang="en-US" smtClean="0"/>
+              <a:rPr lang="en-US"/>
               <a:t>Click to edit Master text styles</a:t>
             </a:r>
           </a:p>
           <a:p>
             <a:pPr lvl="1" eaLnBrk="1" latinLnBrk="0" hangingPunct="1"/>
             <a:r>
-              <a:rPr lang="en-US" smtClean="0"/>
+              <a:rPr lang="en-US"/>
               <a:t>Second level</a:t>
             </a:r>
           </a:p>
           <a:p>
             <a:pPr lvl="2" eaLnBrk="1" latinLnBrk="0" hangingPunct="1"/>
             <a:r>
-              <a:rPr lang="en-US" smtClean="0"/>
+              <a:rPr lang="en-US"/>
               <a:t>Third level</a:t>
             </a:r>
           </a:p>
           <a:p>
             <a:pPr lvl="3" eaLnBrk="1" latinLnBrk="0" hangingPunct="1"/>
             <a:r>
-              <a:rPr lang="en-US" smtClean="0"/>
+              <a:rPr lang="en-US"/>
               <a:t>Fourth level</a:t>
             </a:r>
           </a:p>
           <a:p>
             <a:pPr lvl="4" eaLnBrk="1" latinLnBrk="0" hangingPunct="1"/>
             <a:r>
-              <a:rPr lang="en-US" smtClean="0"/>
+              <a:rPr lang="en-US"/>
               <a:t>Fifth level</a:t>
             </a:r>
             <a:endParaRPr kumimoji="0" lang="en-US"/>
@@ -2164,10 +2157,9 @@
           </a:lstStyle>
           <a:p>
             <a:r>
-              <a:rPr kumimoji="0" lang="en-US" smtClean="0"/>
+              <a:rPr kumimoji="0" lang="en-US"/>
               <a:t>Click to edit Master title style</a:t>
             </a:r>
-            <a:endParaRPr kumimoji="0" lang="en-US"/>
           </a:p>
         </p:txBody>
       </p:sp>
@@ -2228,7 +2220,7 @@
           <a:p>
             <a:pPr lvl="0" eaLnBrk="1" latinLnBrk="0" hangingPunct="1"/>
             <a:r>
-              <a:rPr kumimoji="0" lang="en-US" smtClean="0"/>
+              <a:rPr kumimoji="0" lang="en-US"/>
               <a:t>Click to edit Master text styles</a:t>
             </a:r>
           </a:p>
@@ -2291,7 +2283,7 @@
           <a:p>
             <a:pPr lvl="0" eaLnBrk="1" latinLnBrk="0" hangingPunct="1"/>
             <a:r>
-              <a:rPr kumimoji="0" lang="en-US" smtClean="0"/>
+              <a:rPr kumimoji="0" lang="en-US"/>
               <a:t>Click to edit Master text styles</a:t>
             </a:r>
           </a:p>
@@ -2315,7 +2307,7 @@
             <a:fld id="{1D8BD707-D9CF-40AE-B4C6-C98DA3205C09}" type="datetimeFigureOut">
               <a:rPr lang="en-US" smtClean="0"/>
               <a:pPr/>
-              <a:t>2/4/2019</a:t>
+              <a:t>4/22/2021</a:t>
             </a:fld>
             <a:endParaRPr lang="en-US"/>
           </a:p>
@@ -2386,35 +2378,35 @@
           <a:p>
             <a:pPr lvl="0" eaLnBrk="1" latinLnBrk="0" hangingPunct="1"/>
             <a:r>
-              <a:rPr lang="en-US" smtClean="0"/>
+              <a:rPr lang="en-US"/>
               <a:t>Click to edit Master text styles</a:t>
             </a:r>
           </a:p>
           <a:p>
             <a:pPr lvl="1" eaLnBrk="1" latinLnBrk="0" hangingPunct="1"/>
             <a:r>
-              <a:rPr lang="en-US" smtClean="0"/>
+              <a:rPr lang="en-US"/>
               <a:t>Second level</a:t>
             </a:r>
           </a:p>
           <a:p>
             <a:pPr lvl="2" eaLnBrk="1" latinLnBrk="0" hangingPunct="1"/>
             <a:r>
-              <a:rPr lang="en-US" smtClean="0"/>
+              <a:rPr lang="en-US"/>
               <a:t>Third level</a:t>
             </a:r>
           </a:p>
           <a:p>
             <a:pPr lvl="3" eaLnBrk="1" latinLnBrk="0" hangingPunct="1"/>
             <a:r>
-              <a:rPr lang="en-US" smtClean="0"/>
+              <a:rPr lang="en-US"/>
               <a:t>Fourth level</a:t>
             </a:r>
           </a:p>
           <a:p>
             <a:pPr lvl="4" eaLnBrk="1" latinLnBrk="0" hangingPunct="1"/>
             <a:r>
-              <a:rPr lang="en-US" smtClean="0"/>
+              <a:rPr lang="en-US"/>
               <a:t>Fifth level</a:t>
             </a:r>
             <a:endParaRPr kumimoji="0" lang="en-US"/>
@@ -2443,35 +2435,35 @@
           <a:p>
             <a:pPr lvl="0" eaLnBrk="1" latinLnBrk="0" hangingPunct="1"/>
             <a:r>
-              <a:rPr lang="en-US" smtClean="0"/>
+              <a:rPr lang="en-US"/>
               <a:t>Click to edit Master text styles</a:t>
             </a:r>
           </a:p>
           <a:p>
             <a:pPr lvl="1" eaLnBrk="1" latinLnBrk="0" hangingPunct="1"/>
             <a:r>
-              <a:rPr lang="en-US" smtClean="0"/>
+              <a:rPr lang="en-US"/>
               <a:t>Second level</a:t>
             </a:r>
           </a:p>
           <a:p>
             <a:pPr lvl="2" eaLnBrk="1" latinLnBrk="0" hangingPunct="1"/>
             <a:r>
-              <a:rPr lang="en-US" smtClean="0"/>
+              <a:rPr lang="en-US"/>
               <a:t>Third level</a:t>
             </a:r>
           </a:p>
           <a:p>
             <a:pPr lvl="3" eaLnBrk="1" latinLnBrk="0" hangingPunct="1"/>
             <a:r>
-              <a:rPr lang="en-US" smtClean="0"/>
+              <a:rPr lang="en-US"/>
               <a:t>Fourth level</a:t>
             </a:r>
           </a:p>
           <a:p>
             <a:pPr lvl="4" eaLnBrk="1" latinLnBrk="0" hangingPunct="1"/>
             <a:r>
-              <a:rPr lang="en-US" smtClean="0"/>
+              <a:rPr lang="en-US"/>
               <a:t>Fifth level</a:t>
             </a:r>
             <a:endParaRPr kumimoji="0" lang="en-US"/>
@@ -2519,10 +2511,9 @@
           <a:lstStyle/>
           <a:p>
             <a:r>
-              <a:rPr kumimoji="0" lang="en-US" smtClean="0"/>
+              <a:rPr kumimoji="0" lang="en-US"/>
               <a:t>Click to edit Master title style</a:t>
             </a:r>
-            <a:endParaRPr kumimoji="0" lang="en-US"/>
           </a:p>
         </p:txBody>
       </p:sp>
@@ -2544,7 +2535,7 @@
             <a:fld id="{1D8BD707-D9CF-40AE-B4C6-C98DA3205C09}" type="datetimeFigureOut">
               <a:rPr lang="en-US" smtClean="0"/>
               <a:pPr/>
-              <a:t>2/4/2019</a:t>
+              <a:t>4/22/2021</a:t>
             </a:fld>
             <a:endParaRPr lang="en-US"/>
           </a:p>
@@ -2636,7 +2627,7 @@
             <a:fld id="{1D8BD707-D9CF-40AE-B4C6-C98DA3205C09}" type="datetimeFigureOut">
               <a:rPr lang="en-US" smtClean="0"/>
               <a:pPr/>
-              <a:t>2/4/2019</a:t>
+              <a:t>4/22/2021</a:t>
             </a:fld>
             <a:endParaRPr lang="en-US"/>
           </a:p>
@@ -2831,10 +2822,9 @@
           </a:lstStyle>
           <a:p>
             <a:r>
-              <a:rPr kumimoji="0" lang="en-US" smtClean="0"/>
+              <a:rPr kumimoji="0" lang="en-US"/>
               <a:t>Click to edit Master title style</a:t>
             </a:r>
-            <a:endParaRPr kumimoji="0" lang="en-US"/>
           </a:p>
         </p:txBody>
       </p:sp>
@@ -2881,7 +2871,7 @@
           <a:p>
             <a:pPr lvl="0" eaLnBrk="1" latinLnBrk="0" hangingPunct="1"/>
             <a:r>
-              <a:rPr kumimoji="0" lang="en-US" smtClean="0"/>
+              <a:rPr kumimoji="0" lang="en-US"/>
               <a:t>Click to edit Master text styles</a:t>
             </a:r>
           </a:p>
@@ -2905,7 +2895,7 @@
             <a:fld id="{1D8BD707-D9CF-40AE-B4C6-C98DA3205C09}" type="datetimeFigureOut">
               <a:rPr lang="en-US" smtClean="0"/>
               <a:pPr/>
-              <a:t>2/4/2019</a:t>
+              <a:t>4/22/2021</a:t>
             </a:fld>
             <a:endParaRPr lang="en-US"/>
           </a:p>
@@ -2976,35 +2966,35 @@
           <a:p>
             <a:pPr lvl="0" eaLnBrk="1" latinLnBrk="0" hangingPunct="1"/>
             <a:r>
-              <a:rPr lang="en-US" smtClean="0"/>
+              <a:rPr lang="en-US"/>
               <a:t>Click to edit Master text styles</a:t>
             </a:r>
           </a:p>
           <a:p>
             <a:pPr lvl="1" eaLnBrk="1" latinLnBrk="0" hangingPunct="1"/>
             <a:r>
-              <a:rPr lang="en-US" smtClean="0"/>
+              <a:rPr lang="en-US"/>
               <a:t>Second level</a:t>
             </a:r>
           </a:p>
           <a:p>
             <a:pPr lvl="2" eaLnBrk="1" latinLnBrk="0" hangingPunct="1"/>
             <a:r>
-              <a:rPr lang="en-US" smtClean="0"/>
+              <a:rPr lang="en-US"/>
               <a:t>Third level</a:t>
             </a:r>
           </a:p>
           <a:p>
             <a:pPr lvl="3" eaLnBrk="1" latinLnBrk="0" hangingPunct="1"/>
             <a:r>
-              <a:rPr lang="en-US" smtClean="0"/>
+              <a:rPr lang="en-US"/>
               <a:t>Fourth level</a:t>
             </a:r>
           </a:p>
           <a:p>
             <a:pPr lvl="4" eaLnBrk="1" latinLnBrk="0" hangingPunct="1"/>
             <a:r>
-              <a:rPr lang="en-US" smtClean="0"/>
+              <a:rPr lang="en-US"/>
               <a:t>Fifth level</a:t>
             </a:r>
             <a:endParaRPr kumimoji="0" lang="en-US"/>
@@ -3064,10 +3054,9 @@
           </a:lstStyle>
           <a:p>
             <a:r>
-              <a:rPr kumimoji="0" lang="en-US" smtClean="0"/>
+              <a:rPr kumimoji="0" lang="en-US"/>
               <a:t>Click to edit Master title style</a:t>
             </a:r>
-            <a:endParaRPr kumimoji="0" lang="en-US"/>
           </a:p>
         </p:txBody>
       </p:sp>
@@ -3111,7 +3100,7 @@
           <a:p>
             <a:pPr lvl="0" eaLnBrk="1" latinLnBrk="0" hangingPunct="1"/>
             <a:r>
-              <a:rPr kumimoji="0" lang="en-US" smtClean="0"/>
+              <a:rPr kumimoji="0" lang="en-US"/>
               <a:t>Click to edit Master text styles</a:t>
             </a:r>
           </a:p>
@@ -3135,7 +3124,7 @@
             <a:fld id="{1D8BD707-D9CF-40AE-B4C6-C98DA3205C09}" type="datetimeFigureOut">
               <a:rPr lang="en-US" smtClean="0"/>
               <a:pPr/>
-              <a:t>2/4/2019</a:t>
+              <a:t>4/22/2021</a:t>
             </a:fld>
             <a:endParaRPr lang="en-US"/>
           </a:p>
@@ -3376,7 +3365,7 @@
           </a:lstStyle>
           <a:p>
             <a:r>
-              <a:rPr kumimoji="0" lang="en-US" smtClean="0"/>
+              <a:rPr kumimoji="0" lang="en-US"/>
               <a:t>Click icon to add picture</a:t>
             </a:r>
             <a:endParaRPr kumimoji="0" lang="en-US" dirty="0"/>
@@ -3533,10 +3522,9 @@
           <a:lstStyle/>
           <a:p>
             <a:r>
-              <a:rPr kumimoji="0" lang="en-US" smtClean="0"/>
+              <a:rPr kumimoji="0" lang="en-US"/>
               <a:t>Click to edit Master title style</a:t>
             </a:r>
-            <a:endParaRPr kumimoji="0" lang="en-US"/>
           </a:p>
         </p:txBody>
       </p:sp>
@@ -3567,38 +3555,37 @@
           <a:p>
             <a:pPr lvl="0" eaLnBrk="1" latinLnBrk="0" hangingPunct="1"/>
             <a:r>
-              <a:rPr kumimoji="0" lang="en-US" smtClean="0"/>
+              <a:rPr kumimoji="0" lang="en-US"/>
               <a:t>Click to edit Master text styles</a:t>
             </a:r>
           </a:p>
           <a:p>
             <a:pPr lvl="1" eaLnBrk="1" latinLnBrk="0" hangingPunct="1"/>
             <a:r>
-              <a:rPr kumimoji="0" lang="en-US" smtClean="0"/>
+              <a:rPr kumimoji="0" lang="en-US"/>
               <a:t>Second level</a:t>
             </a:r>
           </a:p>
           <a:p>
             <a:pPr lvl="2" eaLnBrk="1" latinLnBrk="0" hangingPunct="1"/>
             <a:r>
-              <a:rPr kumimoji="0" lang="en-US" smtClean="0"/>
+              <a:rPr kumimoji="0" lang="en-US"/>
               <a:t>Third level</a:t>
             </a:r>
           </a:p>
           <a:p>
             <a:pPr lvl="3" eaLnBrk="1" latinLnBrk="0" hangingPunct="1"/>
             <a:r>
-              <a:rPr kumimoji="0" lang="en-US" smtClean="0"/>
+              <a:rPr kumimoji="0" lang="en-US"/>
               <a:t>Fourth level</a:t>
             </a:r>
           </a:p>
           <a:p>
             <a:pPr lvl="4" eaLnBrk="1" latinLnBrk="0" hangingPunct="1"/>
             <a:r>
-              <a:rPr kumimoji="0" lang="en-US" smtClean="0"/>
+              <a:rPr kumimoji="0" lang="en-US"/>
               <a:t>Fifth level</a:t>
             </a:r>
-            <a:endParaRPr kumimoji="0" lang="en-US"/>
           </a:p>
         </p:txBody>
       </p:sp>
@@ -3636,7 +3623,7 @@
             <a:fld id="{1D8BD707-D9CF-40AE-B4C6-C98DA3205C09}" type="datetimeFigureOut">
               <a:rPr lang="en-US" smtClean="0"/>
               <a:pPr/>
-              <a:t>2/4/2019</a:t>
+              <a:t>4/22/2021</a:t>
             </a:fld>
             <a:endParaRPr lang="en-US"/>
           </a:p>
@@ -4076,10 +4063,9 @@
           <a:lstStyle/>
           <a:p>
             <a:r>
-              <a:rPr lang="en-IN" dirty="0" smtClean="0"/>
+              <a:rPr lang="en-IN" dirty="0"/>
               <a:t>Inter-process communication</a:t>
             </a:r>
-            <a:endParaRPr lang="en-IN" dirty="0"/>
           </a:p>
         </p:txBody>
       </p:sp>
@@ -4093,13 +4079,6 @@
   <p:clrMapOvr>
     <a:masterClrMapping/>
   </p:clrMapOvr>
-  <p:timing>
-    <p:tnLst>
-      <p:par>
-        <p:cTn id="1" dur="indefinite" restart="never" nodeType="tmRoot"/>
-      </p:par>
-    </p:tnLst>
-  </p:timing>
 </p:sld>
 </file>
 
@@ -4136,10 +4115,9 @@
           <a:lstStyle/>
           <a:p>
             <a:r>
-              <a:rPr lang="en-IN" dirty="0" smtClean="0"/>
+              <a:rPr lang="en-IN" dirty="0"/>
               <a:t>Polling</a:t>
             </a:r>
-            <a:endParaRPr lang="en-IN" dirty="0"/>
           </a:p>
         </p:txBody>
       </p:sp>
@@ -4162,73 +4140,31 @@
           <a:p>
             <a:r>
               <a:rPr lang="en-IN" dirty="0"/>
-              <a:t>Polling is usually implemented by a loop that is used to check some </a:t>
-            </a:r>
-            <a:r>
-              <a:rPr lang="en-IN" dirty="0" smtClean="0"/>
-              <a:t>condition repeatedly</a:t>
-            </a:r>
+              <a:t>Polling is usually implemented by a loop that is used to check some condition repeatedly. </a:t>
+            </a:r>
+          </a:p>
+          <a:p>
             <a:r>
               <a:rPr lang="en-IN" dirty="0"/>
-              <a:t>. </a:t>
-            </a:r>
-            <a:endParaRPr lang="en-IN" dirty="0" smtClean="0"/>
-          </a:p>
-          <a:p>
-            <a:r>
-              <a:rPr lang="en-IN" dirty="0" smtClean="0"/>
-              <a:t>Once </a:t>
-            </a:r>
+              <a:t>Once the condition is true, appropriate action is taken. This wastes CPU time.</a:t>
+            </a:r>
+          </a:p>
+          <a:p>
             <a:r>
               <a:rPr lang="en-IN" dirty="0"/>
-              <a:t>the condition is true, appropriate action is taken. This wastes CPU time</a:t>
-            </a:r>
-            <a:r>
-              <a:rPr lang="en-IN" dirty="0" smtClean="0"/>
-              <a:t>.</a:t>
+              <a:t>producer has to wait until the consumer is finished before it generates more data. </a:t>
             </a:r>
           </a:p>
           <a:p>
             <a:r>
               <a:rPr lang="en-IN" dirty="0"/>
-              <a:t>producer has to wait until the consumer is finished before it generates more </a:t>
-            </a:r>
-            <a:r>
-              <a:rPr lang="en-IN" dirty="0" smtClean="0"/>
-              <a:t>data. </a:t>
+              <a:t>consumer would waste many CPU cycles while it waited for the producer to produce. </a:t>
             </a:r>
           </a:p>
           <a:p>
             <a:r>
               <a:rPr lang="en-IN" dirty="0"/>
-              <a:t>consumer would waste many CPU cycles while it waited for the producer </a:t>
-            </a:r>
-            <a:r>
-              <a:rPr lang="en-IN" dirty="0" smtClean="0"/>
-              <a:t>to produce</a:t>
-            </a:r>
-            <a:r>
-              <a:rPr lang="en-IN" dirty="0"/>
-              <a:t>. </a:t>
-            </a:r>
-            <a:endParaRPr lang="en-IN" dirty="0" smtClean="0"/>
-          </a:p>
-          <a:p>
-            <a:r>
-              <a:rPr lang="en-IN" dirty="0" smtClean="0"/>
-              <a:t>Once </a:t>
-            </a:r>
-            <a:r>
-              <a:rPr lang="en-IN" dirty="0"/>
-              <a:t>the producer was finished, it would start polling, wasting more CPU </a:t>
-            </a:r>
-            <a:r>
-              <a:rPr lang="en-IN" dirty="0" smtClean="0"/>
-              <a:t>cycles waiting </a:t>
-            </a:r>
-            <a:r>
-              <a:rPr lang="en-IN" dirty="0"/>
-              <a:t>for the consumer to finish</a:t>
+              <a:t>Once the producer was finished, it would start polling, wasting more CPU cycles waiting for the consumer to finish</a:t>
             </a:r>
           </a:p>
         </p:txBody>
@@ -4243,13 +4179,6 @@
   <p:clrMapOvr>
     <a:masterClrMapping/>
   </p:clrMapOvr>
-  <p:timing>
-    <p:tnLst>
-      <p:par>
-        <p:cTn id="1" dur="indefinite" restart="never" nodeType="tmRoot"/>
-      </p:par>
-    </p:tnLst>
-  </p:timing>
 </p:sld>
 </file>
 
@@ -4286,12 +4215,8 @@
           <a:lstStyle/>
           <a:p>
             <a:r>
-              <a:rPr lang="en-IN" dirty="0" smtClean="0"/>
-              <a:t>Inter-process </a:t>
-            </a:r>
-            <a:r>
               <a:rPr lang="en-IN" dirty="0"/>
-              <a:t>communication</a:t>
+              <a:t>Inter-process communication</a:t>
             </a:r>
           </a:p>
         </p:txBody>
@@ -4318,19 +4243,7 @@
           <a:p>
             <a:r>
               <a:rPr lang="en-IN" dirty="0"/>
-              <a:t>Java includes </a:t>
-            </a:r>
-            <a:r>
-              <a:rPr lang="en-IN" dirty="0" smtClean="0"/>
-              <a:t>has inter-process </a:t>
-            </a:r>
-            <a:r>
-              <a:rPr lang="en-IN" dirty="0"/>
-              <a:t>communication mechanism </a:t>
-            </a:r>
-            <a:r>
-              <a:rPr lang="en-IN" dirty="0" smtClean="0"/>
-              <a:t>through the </a:t>
+              <a:t>Java includes has inter-process communication mechanism through the </a:t>
             </a:r>
             <a:r>
               <a:rPr lang="en-IN" b="1" dirty="0"/>
@@ -4358,11 +4271,7 @@
             </a:r>
             <a:r>
               <a:rPr lang="en-IN" dirty="0"/>
-              <a:t>methods</a:t>
-            </a:r>
-            <a:r>
-              <a:rPr lang="en-IN" dirty="0" smtClean="0"/>
-              <a:t>.</a:t>
+              <a:t>methods.</a:t>
             </a:r>
           </a:p>
           <a:p>
@@ -4373,15 +4282,7 @@
             </a:r>
             <a:r>
               <a:rPr lang="en-IN" dirty="0"/>
-              <a:t>tells the calling thread to give up the monitor and go to sleep until </a:t>
-            </a:r>
-            <a:r>
-              <a:rPr lang="en-IN" dirty="0" smtClean="0"/>
-              <a:t>some other </a:t>
-            </a:r>
-            <a:r>
-              <a:rPr lang="en-IN" dirty="0"/>
-              <a:t>thread enters the same monitor and calls </a:t>
+              <a:t>tells the calling thread to give up the monitor and go to sleep until some other thread enters the same monitor and calls </a:t>
             </a:r>
             <a:r>
               <a:rPr lang="en-IN" b="1" dirty="0"/>
@@ -4395,8 +4296,27 @@
           <a:p>
             <a:pPr lvl="1"/>
             <a:r>
-              <a:rPr lang="en-IN" b="1" dirty="0" smtClean="0"/>
-              <a:t>notify</a:t>
+              <a:rPr lang="en-IN" b="1" dirty="0"/>
+              <a:t>notify( ) </a:t>
+            </a:r>
+            <a:r>
+              <a:rPr lang="en-IN" dirty="0"/>
+              <a:t>wakes up a thread that called </a:t>
+            </a:r>
+            <a:r>
+              <a:rPr lang="en-IN" b="1" dirty="0"/>
+              <a:t>wait( ) </a:t>
+            </a:r>
+            <a:r>
+              <a:rPr lang="en-IN" dirty="0"/>
+              <a:t>on the same object.</a:t>
+            </a:r>
+          </a:p>
+          <a:p>
+            <a:pPr lvl="1"/>
+            <a:r>
+              <a:rPr lang="en-IN" b="1" dirty="0" err="1"/>
+              <a:t>notifyAll</a:t>
             </a:r>
             <a:r>
               <a:rPr lang="en-IN" b="1" dirty="0"/>
@@ -4404,7 +4324,7 @@
             </a:r>
             <a:r>
               <a:rPr lang="en-IN" dirty="0"/>
-              <a:t>wakes up a thread that called </a:t>
+              <a:t>wakes up all the threads that called </a:t>
             </a:r>
             <a:r>
               <a:rPr lang="en-IN" b="1" dirty="0"/>
@@ -4412,42 +4332,7 @@
             </a:r>
             <a:r>
               <a:rPr lang="en-IN" dirty="0"/>
-              <a:t>on the same object.</a:t>
-            </a:r>
-          </a:p>
-          <a:p>
-            <a:pPr lvl="1"/>
-            <a:r>
-              <a:rPr lang="en-IN" b="1" dirty="0" err="1" smtClean="0"/>
-              <a:t>notifyAll</a:t>
-            </a:r>
-            <a:r>
-              <a:rPr lang="en-IN" b="1" dirty="0"/>
-              <a:t>( ) </a:t>
-            </a:r>
-            <a:r>
-              <a:rPr lang="en-IN" dirty="0"/>
-              <a:t>wakes up all the threads that called </a:t>
-            </a:r>
-            <a:r>
-              <a:rPr lang="en-IN" b="1" dirty="0"/>
-              <a:t>wait( ) </a:t>
-            </a:r>
-            <a:r>
-              <a:rPr lang="en-IN" dirty="0"/>
-              <a:t>on the same object. One </a:t>
-            </a:r>
-            <a:r>
-              <a:rPr lang="en-IN" dirty="0" smtClean="0"/>
-              <a:t>of the </a:t>
-            </a:r>
-            <a:r>
-              <a:rPr lang="en-IN" dirty="0"/>
-              <a:t>threads will be granted access</a:t>
-            </a:r>
-            <a:r>
-              <a:rPr lang="en-IN" dirty="0" smtClean="0"/>
-              <a:t>.</a:t>
+              <a:t>on the same object. One of the threads will be granted access.</a:t>
             </a:r>
           </a:p>
           <a:p>
@@ -4502,13 +4387,6 @@
   <p:clrMapOvr>
     <a:masterClrMapping/>
   </p:clrMapOvr>
-  <p:timing>
-    <p:tnLst>
-      <p:par>
-        <p:cTn id="1" dur="indefinite" restart="never" nodeType="tmRoot"/>
-      </p:par>
-    </p:tnLst>
-  </p:timing>
 </p:sld>
 </file>
 
@@ -4545,10 +4423,9 @@
           <a:lstStyle/>
           <a:p>
             <a:r>
-              <a:rPr lang="en-IN" dirty="0" smtClean="0"/>
+              <a:rPr lang="en-IN" dirty="0"/>
               <a:t>Producer consumer problem</a:t>
             </a:r>
-            <a:endParaRPr lang="en-IN" dirty="0"/>
           </a:p>
         </p:txBody>
       </p:sp>
@@ -4568,10 +4445,9 @@
           <a:lstStyle/>
           <a:p>
             <a:r>
-              <a:rPr lang="en-IN" dirty="0" smtClean="0"/>
+              <a:rPr lang="en-IN" dirty="0"/>
               <a:t>Refer PC.pdf</a:t>
             </a:r>
-            <a:endParaRPr lang="en-IN" dirty="0"/>
           </a:p>
         </p:txBody>
       </p:sp>
@@ -4585,13 +4461,6 @@
   <p:clrMapOvr>
     <a:masterClrMapping/>
   </p:clrMapOvr>
-  <p:timing>
-    <p:tnLst>
-      <p:par>
-        <p:cTn id="1" dur="indefinite" restart="never" nodeType="tmRoot"/>
-      </p:par>
-    </p:tnLst>
-  </p:timing>
 </p:sld>
 </file>
 
@@ -4628,10 +4497,9 @@
           <a:lstStyle/>
           <a:p>
             <a:r>
-              <a:rPr lang="en-IN" dirty="0" smtClean="0"/>
+              <a:rPr lang="en-IN" dirty="0"/>
               <a:t>Deadlock</a:t>
             </a:r>
-            <a:endParaRPr lang="en-IN" dirty="0"/>
           </a:p>
         </p:txBody>
       </p:sp>
@@ -4653,84 +4521,30 @@
           <a:lstStyle/>
           <a:p>
             <a:r>
-              <a:rPr lang="en-IN" i="1" dirty="0" smtClean="0"/>
+              <a:rPr lang="en-IN" i="1" dirty="0"/>
               <a:t>Deadlock </a:t>
             </a:r>
             <a:r>
-              <a:rPr lang="en-IN" dirty="0" smtClean="0"/>
-              <a:t>occurs </a:t>
-            </a:r>
-            <a:r>
               <a:rPr lang="en-IN" dirty="0"/>
-              <a:t>when two threads have a circular dependency on a pair of </a:t>
-            </a:r>
-            <a:r>
-              <a:rPr lang="en-IN" dirty="0" smtClean="0"/>
-              <a:t>synchronized objects.</a:t>
-            </a:r>
-          </a:p>
-          <a:p>
-            <a:r>
-              <a:rPr lang="en-IN" dirty="0" smtClean="0"/>
-              <a:t>Suppose </a:t>
-            </a:r>
+              <a:t>occurs when two threads have a circular dependency on a pair of synchronized objects.</a:t>
+            </a:r>
+          </a:p>
+          <a:p>
             <a:r>
               <a:rPr lang="en-IN" dirty="0"/>
-              <a:t>one thread enters the monitor on object X and another </a:t>
-            </a:r>
-            <a:r>
-              <a:rPr lang="en-IN" dirty="0" smtClean="0"/>
-              <a:t>thread enters </a:t>
-            </a:r>
+              <a:t>Suppose one thread enters the monitor on object X and another thread enters the monitor on object Y. </a:t>
+            </a:r>
+          </a:p>
+          <a:p>
             <a:r>
               <a:rPr lang="en-IN" dirty="0"/>
-              <a:t>the monitor on object Y. </a:t>
-            </a:r>
-            <a:endParaRPr lang="en-IN" dirty="0" smtClean="0"/>
-          </a:p>
-          <a:p>
-            <a:r>
-              <a:rPr lang="en-IN" dirty="0" smtClean="0"/>
-              <a:t>If </a:t>
-            </a:r>
+              <a:t>If the thread in X tries to call any synchronized method on Y, it will block as expected. </a:t>
+            </a:r>
+          </a:p>
+          <a:p>
             <a:r>
               <a:rPr lang="en-IN" dirty="0"/>
-              <a:t>the thread in X tries to call any synchronized method on </a:t>
-            </a:r>
-            <a:r>
-              <a:rPr lang="en-IN" dirty="0" smtClean="0"/>
-              <a:t>Y, it </a:t>
-            </a:r>
-            <a:r>
-              <a:rPr lang="en-IN" dirty="0"/>
-              <a:t>will block as expected. </a:t>
-            </a:r>
-            <a:endParaRPr lang="en-IN" dirty="0" smtClean="0"/>
-          </a:p>
-          <a:p>
-            <a:r>
-              <a:rPr lang="en-IN" dirty="0" smtClean="0"/>
-              <a:t>However</a:t>
-            </a:r>
-            <a:r>
-              <a:rPr lang="en-IN" dirty="0"/>
-              <a:t>, if the thread in Y, in turn, tries to call any </a:t>
-            </a:r>
-            <a:r>
-              <a:rPr lang="en-IN" dirty="0" smtClean="0"/>
-              <a:t>synchronized method </a:t>
-            </a:r>
-            <a:r>
-              <a:rPr lang="en-IN" dirty="0"/>
-              <a:t>on X, the thread waits forever, because to access X, it would have to release its </a:t>
-            </a:r>
-            <a:r>
-              <a:rPr lang="en-IN" dirty="0" smtClean="0"/>
-              <a:t>own lock </a:t>
-            </a:r>
-            <a:r>
-              <a:rPr lang="en-IN" dirty="0"/>
-              <a:t>on Y so that the first thread could complete</a:t>
+              <a:t>However, if the thread in Y, in turn, tries to call any synchronized method on X, the thread waits forever, because to access X, it would have to release its own lock on Y so that the first thread could complete</a:t>
             </a:r>
           </a:p>
         </p:txBody>
@@ -4745,13 +4559,6 @@
   <p:clrMapOvr>
     <a:masterClrMapping/>
   </p:clrMapOvr>
-  <p:timing>
-    <p:tnLst>
-      <p:par>
-        <p:cTn id="1" dur="indefinite" restart="never" nodeType="tmRoot"/>
-      </p:par>
-    </p:tnLst>
-  </p:timing>
 </p:sld>
 </file>
 
@@ -4788,10 +4595,9 @@
           <a:lstStyle/>
           <a:p>
             <a:r>
-              <a:rPr lang="en-IN" dirty="0" smtClean="0"/>
+              <a:rPr lang="en-IN" dirty="0"/>
               <a:t>Deadlock program</a:t>
             </a:r>
-            <a:endParaRPr lang="en-IN" dirty="0"/>
           </a:p>
         </p:txBody>
       </p:sp>
@@ -4816,12 +4622,8 @@
           <a:lstStyle/>
           <a:p>
             <a:r>
-              <a:rPr lang="en-IN" dirty="0" smtClean="0"/>
-              <a:t>Refer </a:t>
-            </a:r>
-            <a:r>
-              <a:rPr lang="en-IN" dirty="0" smtClean="0"/>
-              <a:t>Deadlock.pdf</a:t>
+              <a:rPr lang="en-IN" dirty="0"/>
+              <a:t>Refer Deadlock.pdf</a:t>
             </a:r>
           </a:p>
           <a:p>
@@ -4829,7 +4631,7 @@
           </a:p>
           <a:p>
             <a:r>
-              <a:rPr lang="en-IN" dirty="0" smtClean="0"/>
+              <a:rPr lang="en-IN" dirty="0"/>
               <a:t>Output</a:t>
             </a:r>
           </a:p>
@@ -4924,13 +4726,6 @@
   <p:clrMapOvr>
     <a:masterClrMapping/>
   </p:clrMapOvr>
-  <p:timing>
-    <p:tnLst>
-      <p:par>
-        <p:cTn id="1" dur="indefinite" restart="never" nodeType="tmRoot"/>
-      </p:par>
-    </p:tnLst>
-  </p:timing>
 </p:sld>
 </file>
 
@@ -4967,10 +4762,9 @@
           <a:lstStyle/>
           <a:p>
             <a:r>
-              <a:rPr lang="en-IN" dirty="0" smtClean="0"/>
+              <a:rPr lang="en-IN" dirty="0"/>
               <a:t>Suspend and resume</a:t>
             </a:r>
-            <a:endParaRPr lang="en-IN" dirty="0"/>
           </a:p>
         </p:txBody>
       </p:sp>
@@ -4997,19 +4791,14 @@
           <a:p>
             <a:r>
               <a:rPr lang="en-IN" dirty="0"/>
-              <a:t>final void resume( </a:t>
-            </a:r>
-            <a:r>
-              <a:rPr lang="en-IN" dirty="0" smtClean="0"/>
-              <a:t>)</a:t>
-            </a:r>
-          </a:p>
-          <a:p>
-            <a:r>
-              <a:rPr lang="en-IN" dirty="0" smtClean="0"/>
+              <a:t>final void resume( )</a:t>
+            </a:r>
+          </a:p>
+          <a:p>
+            <a:r>
+              <a:rPr lang="en-IN" dirty="0"/>
               <a:t>Refer suspend resume.pdf</a:t>
             </a:r>
-            <a:endParaRPr lang="en-IN" dirty="0"/>
           </a:p>
         </p:txBody>
       </p:sp>
@@ -5023,13 +4812,6 @@
   <p:clrMapOvr>
     <a:masterClrMapping/>
   </p:clrMapOvr>
-  <p:timing>
-    <p:tnLst>
-      <p:par>
-        <p:cTn id="1" dur="indefinite" restart="never" nodeType="tmRoot"/>
-      </p:par>
-    </p:tnLst>
-  </p:timing>
 </p:sld>
 </file>
 
